--- a/ppt/2DGP 3차 발표.pptx
+++ b/ppt/2DGP 3차 발표.pptx
@@ -263,7 +263,7 @@
           <a:p>
             <a:fld id="{12DFC875-B2DB-4FC8-9A52-2BD2954FB3B5}" type="datetimeFigureOut">
               <a:rPr lang="ko-KR" altLang="en-US" smtClean="0"/>
-              <a:t>2019-11-21</a:t>
+              <a:t>2019-11-22</a:t>
             </a:fld>
             <a:endParaRPr lang="ko-KR" altLang="en-US"/>
           </a:p>
@@ -504,7 +504,7 @@
           <a:p>
             <a:fld id="{12DFC875-B2DB-4FC8-9A52-2BD2954FB3B5}" type="datetimeFigureOut">
               <a:rPr lang="ko-KR" altLang="en-US" smtClean="0"/>
-              <a:t>2019-11-21</a:t>
+              <a:t>2019-11-22</a:t>
             </a:fld>
             <a:endParaRPr lang="ko-KR" altLang="en-US"/>
           </a:p>
@@ -1463,7 +1463,7 @@
           <p:nvPr>
             <p:extLst>
               <p:ext uri="{D42A27DB-BD31-4B8C-83A1-F6EECF244321}">
-                <p14:modId xmlns:p14="http://schemas.microsoft.com/office/powerpoint/2010/main" val="317034792"/>
+                <p14:modId xmlns:p14="http://schemas.microsoft.com/office/powerpoint/2010/main" val="3151638954"/>
               </p:ext>
             </p:extLst>
           </p:nvPr>
@@ -4016,13 +4016,13 @@
           <p:nvPr>
             <p:extLst>
               <p:ext uri="{D42A27DB-BD31-4B8C-83A1-F6EECF244321}">
-                <p14:modId xmlns:p14="http://schemas.microsoft.com/office/powerpoint/2010/main" val="3339965078"/>
+                <p14:modId xmlns:p14="http://schemas.microsoft.com/office/powerpoint/2010/main" val="3019455444"/>
               </p:ext>
             </p:extLst>
           </p:nvPr>
         </p:nvGraphicFramePr>
         <p:xfrm>
-          <a:off x="907307" y="1305242"/>
+          <a:off x="907307" y="1629748"/>
           <a:ext cx="10377386" cy="4707411"/>
         </p:xfrm>
         <a:graphic>
@@ -6292,6 +6292,987 @@
           </a:p>
         </p:txBody>
       </p:sp>
+      <p:graphicFrame>
+        <p:nvGraphicFramePr>
+          <p:cNvPr id="5" name="표 5">
+            <a:extLst>
+              <a:ext uri="{FF2B5EF4-FFF2-40B4-BE49-F238E27FC236}">
+                <a16:creationId xmlns:a16="http://schemas.microsoft.com/office/drawing/2014/main" id="{0D2CA594-B712-4D8F-A56C-4396C753C816}"/>
+              </a:ext>
+            </a:extLst>
+          </p:cNvPr>
+          <p:cNvGraphicFramePr>
+            <a:graphicFrameLocks noGrp="1"/>
+          </p:cNvGraphicFramePr>
+          <p:nvPr>
+            <p:extLst>
+              <p:ext uri="{D42A27DB-BD31-4B8C-83A1-F6EECF244321}">
+                <p14:modId xmlns:p14="http://schemas.microsoft.com/office/powerpoint/2010/main" val="953125243"/>
+              </p:ext>
+            </p:extLst>
+          </p:nvPr>
+        </p:nvGraphicFramePr>
+        <p:xfrm>
+          <a:off x="5054600" y="1854776"/>
+          <a:ext cx="5956300" cy="4089400"/>
+        </p:xfrm>
+        <a:graphic>
+          <a:graphicData uri="http://schemas.openxmlformats.org/drawingml/2006/table">
+            <a:tbl>
+              <a:tblPr firstRow="1" bandRow="1">
+                <a:tableStyleId>{5FD0F851-EC5A-4D38-B0AD-8093EC10F338}</a:tableStyleId>
+              </a:tblPr>
+              <a:tblGrid>
+                <a:gridCol w="2603501">
+                  <a:extLst>
+                    <a:ext uri="{9D8B030D-6E8A-4147-A177-3AD203B41FA5}">
+                      <a16:colId xmlns:a16="http://schemas.microsoft.com/office/drawing/2014/main" val="1635844181"/>
+                    </a:ext>
+                  </a:extLst>
+                </a:gridCol>
+                <a:gridCol w="3352799">
+                  <a:extLst>
+                    <a:ext uri="{9D8B030D-6E8A-4147-A177-3AD203B41FA5}">
+                      <a16:colId xmlns:a16="http://schemas.microsoft.com/office/drawing/2014/main" val="2979089308"/>
+                    </a:ext>
+                  </a:extLst>
+                </a:gridCol>
+              </a:tblGrid>
+              <a:tr h="408940">
+                <a:tc>
+                  <a:txBody>
+                    <a:bodyPr/>
+                    <a:lstStyle/>
+                    <a:p>
+                      <a:pPr algn="ctr" latinLnBrk="1"/>
+                      <a:r>
+                        <a:rPr lang="ko-KR" altLang="en-US" dirty="0"/>
+                        <a:t>주</a:t>
+                      </a:r>
+                    </a:p>
+                  </a:txBody>
+                  <a:tcPr anchor="ctr">
+                    <a:lnL>
+                      <a:noFill/>
+                    </a:lnL>
+                    <a:lnR>
+                      <a:noFill/>
+                    </a:lnR>
+                    <a:lnT w="12700" cmpd="sng">
+                      <a:noFill/>
+                    </a:lnT>
+                    <a:lnB w="12700" cmpd="sng">
+                      <a:noFill/>
+                    </a:lnB>
+                    <a:lnTlToBr w="12700" cmpd="sng">
+                      <a:noFill/>
+                      <a:prstDash val="solid"/>
+                    </a:lnTlToBr>
+                    <a:lnBlToTr w="12700" cmpd="sng">
+                      <a:noFill/>
+                      <a:prstDash val="solid"/>
+                    </a:lnBlToTr>
+                    <a:solidFill>
+                      <a:schemeClr val="accent1">
+                        <a:lumMod val="40000"/>
+                        <a:lumOff val="60000"/>
+                      </a:schemeClr>
+                    </a:solidFill>
+                  </a:tcPr>
+                </a:tc>
+                <a:tc>
+                  <a:txBody>
+                    <a:bodyPr/>
+                    <a:lstStyle/>
+                    <a:p>
+                      <a:pPr algn="ctr" latinLnBrk="1"/>
+                      <a:r>
+                        <a:rPr lang="ko-KR" altLang="en-US" dirty="0" err="1"/>
+                        <a:t>커밋</a:t>
+                      </a:r>
+                      <a:r>
+                        <a:rPr lang="ko-KR" altLang="en-US" dirty="0"/>
+                        <a:t> 횟수</a:t>
+                      </a:r>
+                    </a:p>
+                  </a:txBody>
+                  <a:tcPr anchor="ctr">
+                    <a:lnL>
+                      <a:noFill/>
+                    </a:lnL>
+                    <a:lnR>
+                      <a:noFill/>
+                    </a:lnR>
+                    <a:lnT w="12700" cmpd="sng">
+                      <a:noFill/>
+                    </a:lnT>
+                    <a:lnB w="12700" cmpd="sng">
+                      <a:noFill/>
+                    </a:lnB>
+                    <a:lnTlToBr w="12700" cmpd="sng">
+                      <a:noFill/>
+                      <a:prstDash val="solid"/>
+                    </a:lnTlToBr>
+                    <a:lnBlToTr w="12700" cmpd="sng">
+                      <a:noFill/>
+                      <a:prstDash val="solid"/>
+                    </a:lnBlToTr>
+                    <a:solidFill>
+                      <a:schemeClr val="accent1">
+                        <a:lumMod val="40000"/>
+                        <a:lumOff val="60000"/>
+                      </a:schemeClr>
+                    </a:solidFill>
+                  </a:tcPr>
+                </a:tc>
+                <a:extLst>
+                  <a:ext uri="{0D108BD9-81ED-4DB2-BD59-A6C34878D82A}">
+                    <a16:rowId xmlns:a16="http://schemas.microsoft.com/office/drawing/2014/main" val="3299452957"/>
+                  </a:ext>
+                </a:extLst>
+              </a:tr>
+              <a:tr h="408940">
+                <a:tc>
+                  <a:txBody>
+                    <a:bodyPr/>
+                    <a:lstStyle/>
+                    <a:p>
+                      <a:pPr algn="ctr" latinLnBrk="1"/>
+                      <a:r>
+                        <a:rPr lang="en-US" altLang="ko-KR" dirty="0"/>
+                        <a:t>1</a:t>
+                      </a:r>
+                      <a:r>
+                        <a:rPr lang="ko-KR" altLang="en-US" dirty="0"/>
+                        <a:t>주차</a:t>
+                      </a:r>
+                    </a:p>
+                  </a:txBody>
+                  <a:tcPr anchor="ctr">
+                    <a:lnL>
+                      <a:noFill/>
+                    </a:lnL>
+                    <a:lnR>
+                      <a:noFill/>
+                    </a:lnR>
+                    <a:lnT w="12700" cmpd="sng">
+                      <a:noFill/>
+                    </a:lnT>
+                    <a:lnB>
+                      <a:noFill/>
+                    </a:lnB>
+                    <a:lnTlToBr w="12700" cmpd="sng">
+                      <a:noFill/>
+                      <a:prstDash val="solid"/>
+                    </a:lnTlToBr>
+                    <a:lnBlToTr w="12700" cmpd="sng">
+                      <a:noFill/>
+                      <a:prstDash val="solid"/>
+                    </a:lnBlToTr>
+                    <a:noFill/>
+                  </a:tcPr>
+                </a:tc>
+                <a:tc>
+                  <a:txBody>
+                    <a:bodyPr/>
+                    <a:lstStyle/>
+                    <a:p>
+                      <a:pPr algn="ctr" latinLnBrk="1"/>
+                      <a:r>
+                        <a:rPr lang="en-US" altLang="ko-KR" dirty="0"/>
+                        <a:t>3</a:t>
+                      </a:r>
+                      <a:endParaRPr lang="ko-KR" altLang="en-US" dirty="0"/>
+                    </a:p>
+                  </a:txBody>
+                  <a:tcPr anchor="ctr">
+                    <a:lnL>
+                      <a:noFill/>
+                    </a:lnL>
+                    <a:lnR>
+                      <a:noFill/>
+                    </a:lnR>
+                    <a:lnT w="12700" cmpd="sng">
+                      <a:noFill/>
+                    </a:lnT>
+                    <a:lnB>
+                      <a:noFill/>
+                    </a:lnB>
+                    <a:lnTlToBr w="12700" cmpd="sng">
+                      <a:noFill/>
+                      <a:prstDash val="solid"/>
+                    </a:lnTlToBr>
+                    <a:lnBlToTr w="12700" cmpd="sng">
+                      <a:noFill/>
+                      <a:prstDash val="solid"/>
+                    </a:lnBlToTr>
+                    <a:noFill/>
+                  </a:tcPr>
+                </a:tc>
+                <a:extLst>
+                  <a:ext uri="{0D108BD9-81ED-4DB2-BD59-A6C34878D82A}">
+                    <a16:rowId xmlns:a16="http://schemas.microsoft.com/office/drawing/2014/main" val="1584668736"/>
+                  </a:ext>
+                </a:extLst>
+              </a:tr>
+              <a:tr h="408940">
+                <a:tc>
+                  <a:txBody>
+                    <a:bodyPr/>
+                    <a:lstStyle/>
+                    <a:p>
+                      <a:pPr algn="ctr" latinLnBrk="1"/>
+                      <a:r>
+                        <a:rPr lang="en-US" altLang="ko-KR" dirty="0"/>
+                        <a:t>2</a:t>
+                      </a:r>
+                      <a:r>
+                        <a:rPr lang="ko-KR" altLang="en-US" dirty="0"/>
+                        <a:t>주차</a:t>
+                      </a:r>
+                    </a:p>
+                  </a:txBody>
+                  <a:tcPr anchor="ctr">
+                    <a:lnL>
+                      <a:noFill/>
+                    </a:lnL>
+                    <a:lnR>
+                      <a:noFill/>
+                    </a:lnR>
+                    <a:lnT>
+                      <a:noFill/>
+                    </a:lnT>
+                    <a:lnB>
+                      <a:noFill/>
+                    </a:lnB>
+                    <a:lnTlToBr w="12700" cmpd="sng">
+                      <a:noFill/>
+                      <a:prstDash val="solid"/>
+                    </a:lnTlToBr>
+                    <a:lnBlToTr w="12700" cmpd="sng">
+                      <a:noFill/>
+                      <a:prstDash val="solid"/>
+                    </a:lnBlToTr>
+                    <a:solidFill>
+                      <a:schemeClr val="accent1">
+                        <a:lumMod val="20000"/>
+                        <a:lumOff val="80000"/>
+                      </a:schemeClr>
+                    </a:solidFill>
+                  </a:tcPr>
+                </a:tc>
+                <a:tc>
+                  <a:txBody>
+                    <a:bodyPr/>
+                    <a:lstStyle/>
+                    <a:p>
+                      <a:pPr algn="ctr" latinLnBrk="1"/>
+                      <a:r>
+                        <a:rPr lang="en-US" altLang="ko-KR" dirty="0"/>
+                        <a:t>25</a:t>
+                      </a:r>
+                      <a:endParaRPr lang="ko-KR" altLang="en-US" dirty="0"/>
+                    </a:p>
+                  </a:txBody>
+                  <a:tcPr anchor="ctr">
+                    <a:lnL>
+                      <a:noFill/>
+                    </a:lnL>
+                    <a:lnR>
+                      <a:noFill/>
+                    </a:lnR>
+                    <a:lnT>
+                      <a:noFill/>
+                    </a:lnT>
+                    <a:lnB>
+                      <a:noFill/>
+                    </a:lnB>
+                    <a:lnTlToBr w="12700" cmpd="sng">
+                      <a:noFill/>
+                      <a:prstDash val="solid"/>
+                    </a:lnTlToBr>
+                    <a:lnBlToTr w="12700" cmpd="sng">
+                      <a:noFill/>
+                      <a:prstDash val="solid"/>
+                    </a:lnBlToTr>
+                    <a:solidFill>
+                      <a:schemeClr val="accent1">
+                        <a:lumMod val="20000"/>
+                        <a:lumOff val="80000"/>
+                      </a:schemeClr>
+                    </a:solidFill>
+                  </a:tcPr>
+                </a:tc>
+                <a:extLst>
+                  <a:ext uri="{0D108BD9-81ED-4DB2-BD59-A6C34878D82A}">
+                    <a16:rowId xmlns:a16="http://schemas.microsoft.com/office/drawing/2014/main" val="3122153257"/>
+                  </a:ext>
+                </a:extLst>
+              </a:tr>
+              <a:tr h="408940">
+                <a:tc>
+                  <a:txBody>
+                    <a:bodyPr/>
+                    <a:lstStyle/>
+                    <a:p>
+                      <a:pPr algn="ctr" latinLnBrk="1"/>
+                      <a:r>
+                        <a:rPr lang="en-US" altLang="ko-KR" dirty="0"/>
+                        <a:t>3</a:t>
+                      </a:r>
+                      <a:r>
+                        <a:rPr lang="ko-KR" altLang="en-US" dirty="0"/>
+                        <a:t>주차</a:t>
+                      </a:r>
+                    </a:p>
+                  </a:txBody>
+                  <a:tcPr anchor="ctr">
+                    <a:lnL>
+                      <a:noFill/>
+                    </a:lnL>
+                    <a:lnR>
+                      <a:noFill/>
+                    </a:lnR>
+                    <a:lnT>
+                      <a:noFill/>
+                    </a:lnT>
+                    <a:lnB>
+                      <a:noFill/>
+                    </a:lnB>
+                    <a:lnTlToBr w="12700" cmpd="sng">
+                      <a:noFill/>
+                      <a:prstDash val="solid"/>
+                    </a:lnTlToBr>
+                    <a:lnBlToTr w="12700" cmpd="sng">
+                      <a:noFill/>
+                      <a:prstDash val="solid"/>
+                    </a:lnBlToTr>
+                    <a:noFill/>
+                  </a:tcPr>
+                </a:tc>
+                <a:tc>
+                  <a:txBody>
+                    <a:bodyPr/>
+                    <a:lstStyle/>
+                    <a:p>
+                      <a:pPr algn="ctr" latinLnBrk="1"/>
+                      <a:r>
+                        <a:rPr lang="en-US" altLang="ko-KR" dirty="0"/>
+                        <a:t>1</a:t>
+                      </a:r>
+                      <a:endParaRPr lang="ko-KR" altLang="en-US" dirty="0"/>
+                    </a:p>
+                  </a:txBody>
+                  <a:tcPr anchor="ctr">
+                    <a:lnL>
+                      <a:noFill/>
+                    </a:lnL>
+                    <a:lnR>
+                      <a:noFill/>
+                    </a:lnR>
+                    <a:lnT>
+                      <a:noFill/>
+                    </a:lnT>
+                    <a:lnB>
+                      <a:noFill/>
+                    </a:lnB>
+                    <a:lnTlToBr w="12700" cmpd="sng">
+                      <a:noFill/>
+                      <a:prstDash val="solid"/>
+                    </a:lnTlToBr>
+                    <a:lnBlToTr w="12700" cmpd="sng">
+                      <a:noFill/>
+                      <a:prstDash val="solid"/>
+                    </a:lnBlToTr>
+                    <a:noFill/>
+                  </a:tcPr>
+                </a:tc>
+                <a:extLst>
+                  <a:ext uri="{0D108BD9-81ED-4DB2-BD59-A6C34878D82A}">
+                    <a16:rowId xmlns:a16="http://schemas.microsoft.com/office/drawing/2014/main" val="1320002802"/>
+                  </a:ext>
+                </a:extLst>
+              </a:tr>
+              <a:tr h="408940">
+                <a:tc>
+                  <a:txBody>
+                    <a:bodyPr/>
+                    <a:lstStyle/>
+                    <a:p>
+                      <a:pPr algn="ctr" latinLnBrk="1"/>
+                      <a:r>
+                        <a:rPr lang="en-US" altLang="ko-KR" dirty="0"/>
+                        <a:t>4</a:t>
+                      </a:r>
+                      <a:r>
+                        <a:rPr lang="ko-KR" altLang="en-US" dirty="0"/>
+                        <a:t>주차</a:t>
+                      </a:r>
+                    </a:p>
+                  </a:txBody>
+                  <a:tcPr anchor="ctr">
+                    <a:lnL>
+                      <a:noFill/>
+                    </a:lnL>
+                    <a:lnR>
+                      <a:noFill/>
+                    </a:lnR>
+                    <a:lnT>
+                      <a:noFill/>
+                    </a:lnT>
+                    <a:lnB>
+                      <a:noFill/>
+                    </a:lnB>
+                    <a:lnTlToBr w="12700" cmpd="sng">
+                      <a:noFill/>
+                      <a:prstDash val="solid"/>
+                    </a:lnTlToBr>
+                    <a:lnBlToTr w="12700" cmpd="sng">
+                      <a:noFill/>
+                      <a:prstDash val="solid"/>
+                    </a:lnBlToTr>
+                    <a:solidFill>
+                      <a:schemeClr val="accent1">
+                        <a:lumMod val="20000"/>
+                        <a:lumOff val="80000"/>
+                      </a:schemeClr>
+                    </a:solidFill>
+                  </a:tcPr>
+                </a:tc>
+                <a:tc>
+                  <a:txBody>
+                    <a:bodyPr/>
+                    <a:lstStyle/>
+                    <a:p>
+                      <a:pPr algn="ctr" latinLnBrk="1"/>
+                      <a:r>
+                        <a:rPr lang="en-US" altLang="ko-KR" dirty="0"/>
+                        <a:t>27</a:t>
+                      </a:r>
+                      <a:endParaRPr lang="ko-KR" altLang="en-US" dirty="0"/>
+                    </a:p>
+                  </a:txBody>
+                  <a:tcPr anchor="ctr">
+                    <a:lnL>
+                      <a:noFill/>
+                    </a:lnL>
+                    <a:lnR>
+                      <a:noFill/>
+                    </a:lnR>
+                    <a:lnT>
+                      <a:noFill/>
+                    </a:lnT>
+                    <a:lnB>
+                      <a:noFill/>
+                    </a:lnB>
+                    <a:lnTlToBr w="12700" cmpd="sng">
+                      <a:noFill/>
+                      <a:prstDash val="solid"/>
+                    </a:lnTlToBr>
+                    <a:lnBlToTr w="12700" cmpd="sng">
+                      <a:noFill/>
+                      <a:prstDash val="solid"/>
+                    </a:lnBlToTr>
+                    <a:solidFill>
+                      <a:schemeClr val="accent1">
+                        <a:lumMod val="20000"/>
+                        <a:lumOff val="80000"/>
+                      </a:schemeClr>
+                    </a:solidFill>
+                  </a:tcPr>
+                </a:tc>
+                <a:extLst>
+                  <a:ext uri="{0D108BD9-81ED-4DB2-BD59-A6C34878D82A}">
+                    <a16:rowId xmlns:a16="http://schemas.microsoft.com/office/drawing/2014/main" val="2289364164"/>
+                  </a:ext>
+                </a:extLst>
+              </a:tr>
+              <a:tr h="408940">
+                <a:tc>
+                  <a:txBody>
+                    <a:bodyPr/>
+                    <a:lstStyle/>
+                    <a:p>
+                      <a:pPr algn="ctr" latinLnBrk="1"/>
+                      <a:r>
+                        <a:rPr lang="en-US" altLang="ko-KR" dirty="0"/>
+                        <a:t>5</a:t>
+                      </a:r>
+                      <a:r>
+                        <a:rPr lang="ko-KR" altLang="en-US" dirty="0"/>
+                        <a:t>주차</a:t>
+                      </a:r>
+                    </a:p>
+                  </a:txBody>
+                  <a:tcPr anchor="ctr">
+                    <a:lnL>
+                      <a:noFill/>
+                    </a:lnL>
+                    <a:lnR>
+                      <a:noFill/>
+                    </a:lnR>
+                    <a:lnT>
+                      <a:noFill/>
+                    </a:lnT>
+                    <a:lnB>
+                      <a:noFill/>
+                    </a:lnB>
+                    <a:lnTlToBr w="12700" cmpd="sng">
+                      <a:noFill/>
+                      <a:prstDash val="solid"/>
+                    </a:lnTlToBr>
+                    <a:lnBlToTr w="12700" cmpd="sng">
+                      <a:noFill/>
+                      <a:prstDash val="solid"/>
+                    </a:lnBlToTr>
+                    <a:noFill/>
+                  </a:tcPr>
+                </a:tc>
+                <a:tc>
+                  <a:txBody>
+                    <a:bodyPr/>
+                    <a:lstStyle/>
+                    <a:p>
+                      <a:pPr algn="ctr" latinLnBrk="1"/>
+                      <a:r>
+                        <a:rPr lang="en-US" altLang="ko-KR" dirty="0"/>
+                        <a:t>28</a:t>
+                      </a:r>
+                      <a:endParaRPr lang="ko-KR" altLang="en-US" dirty="0"/>
+                    </a:p>
+                  </a:txBody>
+                  <a:tcPr anchor="ctr">
+                    <a:lnL>
+                      <a:noFill/>
+                    </a:lnL>
+                    <a:lnR>
+                      <a:noFill/>
+                    </a:lnR>
+                    <a:lnT>
+                      <a:noFill/>
+                    </a:lnT>
+                    <a:lnB>
+                      <a:noFill/>
+                    </a:lnB>
+                    <a:lnTlToBr w="12700" cmpd="sng">
+                      <a:noFill/>
+                      <a:prstDash val="solid"/>
+                    </a:lnTlToBr>
+                    <a:lnBlToTr w="12700" cmpd="sng">
+                      <a:noFill/>
+                      <a:prstDash val="solid"/>
+                    </a:lnBlToTr>
+                    <a:noFill/>
+                  </a:tcPr>
+                </a:tc>
+                <a:extLst>
+                  <a:ext uri="{0D108BD9-81ED-4DB2-BD59-A6C34878D82A}">
+                    <a16:rowId xmlns:a16="http://schemas.microsoft.com/office/drawing/2014/main" val="4184395197"/>
+                  </a:ext>
+                </a:extLst>
+              </a:tr>
+              <a:tr h="408940">
+                <a:tc>
+                  <a:txBody>
+                    <a:bodyPr/>
+                    <a:lstStyle/>
+                    <a:p>
+                      <a:pPr algn="ctr" latinLnBrk="1"/>
+                      <a:r>
+                        <a:rPr lang="en-US" altLang="ko-KR" dirty="0"/>
+                        <a:t>6</a:t>
+                      </a:r>
+                      <a:r>
+                        <a:rPr lang="ko-KR" altLang="en-US" dirty="0"/>
+                        <a:t>주차</a:t>
+                      </a:r>
+                    </a:p>
+                  </a:txBody>
+                  <a:tcPr anchor="ctr">
+                    <a:lnL>
+                      <a:noFill/>
+                    </a:lnL>
+                    <a:lnR>
+                      <a:noFill/>
+                    </a:lnR>
+                    <a:lnT>
+                      <a:noFill/>
+                    </a:lnT>
+                    <a:lnB>
+                      <a:noFill/>
+                    </a:lnB>
+                    <a:lnTlToBr w="12700" cmpd="sng">
+                      <a:noFill/>
+                      <a:prstDash val="solid"/>
+                    </a:lnTlToBr>
+                    <a:lnBlToTr w="12700" cmpd="sng">
+                      <a:noFill/>
+                      <a:prstDash val="solid"/>
+                    </a:lnBlToTr>
+                    <a:solidFill>
+                      <a:schemeClr val="accent1">
+                        <a:lumMod val="20000"/>
+                        <a:lumOff val="80000"/>
+                      </a:schemeClr>
+                    </a:solidFill>
+                  </a:tcPr>
+                </a:tc>
+                <a:tc>
+                  <a:txBody>
+                    <a:bodyPr/>
+                    <a:lstStyle/>
+                    <a:p>
+                      <a:pPr algn="ctr" latinLnBrk="1"/>
+                      <a:r>
+                        <a:rPr lang="en-US" altLang="ko-KR" dirty="0"/>
+                        <a:t>28</a:t>
+                      </a:r>
+                      <a:endParaRPr lang="ko-KR" altLang="en-US" dirty="0"/>
+                    </a:p>
+                  </a:txBody>
+                  <a:tcPr anchor="ctr">
+                    <a:lnL>
+                      <a:noFill/>
+                    </a:lnL>
+                    <a:lnR>
+                      <a:noFill/>
+                    </a:lnR>
+                    <a:lnT>
+                      <a:noFill/>
+                    </a:lnT>
+                    <a:lnB>
+                      <a:noFill/>
+                    </a:lnB>
+                    <a:lnTlToBr w="12700" cmpd="sng">
+                      <a:noFill/>
+                      <a:prstDash val="solid"/>
+                    </a:lnTlToBr>
+                    <a:lnBlToTr w="12700" cmpd="sng">
+                      <a:noFill/>
+                      <a:prstDash val="solid"/>
+                    </a:lnBlToTr>
+                    <a:solidFill>
+                      <a:schemeClr val="accent1">
+                        <a:lumMod val="20000"/>
+                        <a:lumOff val="80000"/>
+                      </a:schemeClr>
+                    </a:solidFill>
+                  </a:tcPr>
+                </a:tc>
+                <a:extLst>
+                  <a:ext uri="{0D108BD9-81ED-4DB2-BD59-A6C34878D82A}">
+                    <a16:rowId xmlns:a16="http://schemas.microsoft.com/office/drawing/2014/main" val="1561938622"/>
+                  </a:ext>
+                </a:extLst>
+              </a:tr>
+              <a:tr h="408940">
+                <a:tc>
+                  <a:txBody>
+                    <a:bodyPr/>
+                    <a:lstStyle/>
+                    <a:p>
+                      <a:pPr algn="ctr" latinLnBrk="1"/>
+                      <a:r>
+                        <a:rPr lang="en-US" altLang="ko-KR" dirty="0"/>
+                        <a:t>7</a:t>
+                      </a:r>
+                      <a:r>
+                        <a:rPr lang="ko-KR" altLang="en-US" dirty="0"/>
+                        <a:t>주차</a:t>
+                      </a:r>
+                    </a:p>
+                  </a:txBody>
+                  <a:tcPr anchor="ctr">
+                    <a:lnL>
+                      <a:noFill/>
+                    </a:lnL>
+                    <a:lnR>
+                      <a:noFill/>
+                    </a:lnR>
+                    <a:lnT>
+                      <a:noFill/>
+                    </a:lnT>
+                    <a:lnB>
+                      <a:noFill/>
+                    </a:lnB>
+                    <a:lnTlToBr w="12700" cmpd="sng">
+                      <a:noFill/>
+                      <a:prstDash val="solid"/>
+                    </a:lnTlToBr>
+                    <a:lnBlToTr w="12700" cmpd="sng">
+                      <a:noFill/>
+                      <a:prstDash val="solid"/>
+                    </a:lnBlToTr>
+                    <a:noFill/>
+                  </a:tcPr>
+                </a:tc>
+                <a:tc>
+                  <a:txBody>
+                    <a:bodyPr/>
+                    <a:lstStyle/>
+                    <a:p>
+                      <a:pPr algn="ctr" latinLnBrk="1"/>
+                      <a:r>
+                        <a:rPr lang="en-US" altLang="ko-KR" dirty="0"/>
+                        <a:t>51</a:t>
+                      </a:r>
+                      <a:endParaRPr lang="ko-KR" altLang="en-US" dirty="0"/>
+                    </a:p>
+                  </a:txBody>
+                  <a:tcPr anchor="ctr">
+                    <a:lnL>
+                      <a:noFill/>
+                    </a:lnL>
+                    <a:lnR>
+                      <a:noFill/>
+                    </a:lnR>
+                    <a:lnT>
+                      <a:noFill/>
+                    </a:lnT>
+                    <a:lnB>
+                      <a:noFill/>
+                    </a:lnB>
+                    <a:lnTlToBr w="12700" cmpd="sng">
+                      <a:noFill/>
+                      <a:prstDash val="solid"/>
+                    </a:lnTlToBr>
+                    <a:lnBlToTr w="12700" cmpd="sng">
+                      <a:noFill/>
+                      <a:prstDash val="solid"/>
+                    </a:lnBlToTr>
+                    <a:noFill/>
+                  </a:tcPr>
+                </a:tc>
+                <a:extLst>
+                  <a:ext uri="{0D108BD9-81ED-4DB2-BD59-A6C34878D82A}">
+                    <a16:rowId xmlns:a16="http://schemas.microsoft.com/office/drawing/2014/main" val="507224272"/>
+                  </a:ext>
+                </a:extLst>
+              </a:tr>
+              <a:tr h="408940">
+                <a:tc>
+                  <a:txBody>
+                    <a:bodyPr/>
+                    <a:lstStyle/>
+                    <a:p>
+                      <a:pPr algn="ctr" latinLnBrk="1"/>
+                      <a:r>
+                        <a:rPr lang="en-US" altLang="ko-KR" dirty="0"/>
+                        <a:t>8</a:t>
+                      </a:r>
+                      <a:r>
+                        <a:rPr lang="ko-KR" altLang="en-US" dirty="0"/>
+                        <a:t>주차</a:t>
+                      </a:r>
+                    </a:p>
+                  </a:txBody>
+                  <a:tcPr anchor="ctr">
+                    <a:lnL>
+                      <a:noFill/>
+                    </a:lnL>
+                    <a:lnR>
+                      <a:noFill/>
+                    </a:lnR>
+                    <a:lnT>
+                      <a:noFill/>
+                    </a:lnT>
+                    <a:lnB>
+                      <a:noFill/>
+                    </a:lnB>
+                    <a:lnTlToBr w="12700" cmpd="sng">
+                      <a:noFill/>
+                      <a:prstDash val="solid"/>
+                    </a:lnTlToBr>
+                    <a:lnBlToTr w="12700" cmpd="sng">
+                      <a:noFill/>
+                      <a:prstDash val="solid"/>
+                    </a:lnBlToTr>
+                    <a:solidFill>
+                      <a:schemeClr val="accent1">
+                        <a:lumMod val="20000"/>
+                        <a:lumOff val="80000"/>
+                      </a:schemeClr>
+                    </a:solidFill>
+                  </a:tcPr>
+                </a:tc>
+                <a:tc>
+                  <a:txBody>
+                    <a:bodyPr/>
+                    <a:lstStyle/>
+                    <a:p>
+                      <a:pPr algn="ctr" latinLnBrk="1"/>
+                      <a:r>
+                        <a:rPr lang="en-US" altLang="ko-KR" dirty="0"/>
+                        <a:t>23</a:t>
+                      </a:r>
+                      <a:endParaRPr lang="ko-KR" altLang="en-US" dirty="0"/>
+                    </a:p>
+                  </a:txBody>
+                  <a:tcPr anchor="ctr">
+                    <a:lnL>
+                      <a:noFill/>
+                    </a:lnL>
+                    <a:lnR>
+                      <a:noFill/>
+                    </a:lnR>
+                    <a:lnT>
+                      <a:noFill/>
+                    </a:lnT>
+                    <a:lnB>
+                      <a:noFill/>
+                    </a:lnB>
+                    <a:lnTlToBr w="12700" cmpd="sng">
+                      <a:noFill/>
+                      <a:prstDash val="solid"/>
+                    </a:lnTlToBr>
+                    <a:lnBlToTr w="12700" cmpd="sng">
+                      <a:noFill/>
+                      <a:prstDash val="solid"/>
+                    </a:lnBlToTr>
+                    <a:solidFill>
+                      <a:schemeClr val="accent1">
+                        <a:lumMod val="20000"/>
+                        <a:lumOff val="80000"/>
+                      </a:schemeClr>
+                    </a:solidFill>
+                  </a:tcPr>
+                </a:tc>
+                <a:extLst>
+                  <a:ext uri="{0D108BD9-81ED-4DB2-BD59-A6C34878D82A}">
+                    <a16:rowId xmlns:a16="http://schemas.microsoft.com/office/drawing/2014/main" val="1198397736"/>
+                  </a:ext>
+                </a:extLst>
+              </a:tr>
+              <a:tr h="408940">
+                <a:tc>
+                  <a:txBody>
+                    <a:bodyPr/>
+                    <a:lstStyle/>
+                    <a:p>
+                      <a:pPr algn="ctr" latinLnBrk="1"/>
+                      <a:r>
+                        <a:rPr lang="en-US" altLang="ko-KR" dirty="0"/>
+                        <a:t>9</a:t>
+                      </a:r>
+                      <a:r>
+                        <a:rPr lang="ko-KR" altLang="en-US" dirty="0"/>
+                        <a:t>주차 </a:t>
+                      </a:r>
+                      <a:r>
+                        <a:rPr lang="en-US" altLang="ko-KR" dirty="0"/>
+                        <a:t>(11/25 </a:t>
+                      </a:r>
+                      <a:r>
+                        <a:rPr lang="ko-KR" altLang="en-US" dirty="0"/>
+                        <a:t>현재</a:t>
+                      </a:r>
+                      <a:r>
+                        <a:rPr lang="en-US" altLang="ko-KR" dirty="0"/>
+                        <a:t>~)</a:t>
+                      </a:r>
+                      <a:endParaRPr lang="ko-KR" altLang="en-US" dirty="0"/>
+                    </a:p>
+                  </a:txBody>
+                  <a:tcPr anchor="ctr">
+                    <a:lnL>
+                      <a:noFill/>
+                    </a:lnL>
+                    <a:lnR>
+                      <a:noFill/>
+                    </a:lnR>
+                    <a:lnT>
+                      <a:noFill/>
+                    </a:lnT>
+                    <a:lnB w="12700" cmpd="sng">
+                      <a:noFill/>
+                    </a:lnB>
+                    <a:lnTlToBr w="12700" cmpd="sng">
+                      <a:noFill/>
+                      <a:prstDash val="solid"/>
+                    </a:lnTlToBr>
+                    <a:lnBlToTr w="12700" cmpd="sng">
+                      <a:noFill/>
+                      <a:prstDash val="solid"/>
+                    </a:lnBlToTr>
+                    <a:noFill/>
+                  </a:tcPr>
+                </a:tc>
+                <a:tc>
+                  <a:txBody>
+                    <a:bodyPr/>
+                    <a:lstStyle/>
+                    <a:p>
+                      <a:pPr algn="ctr" latinLnBrk="1"/>
+                      <a:r>
+                        <a:rPr lang="en-US" altLang="ko-KR" dirty="0"/>
+                        <a:t>-</a:t>
+                      </a:r>
+                      <a:endParaRPr lang="ko-KR" altLang="en-US" dirty="0"/>
+                    </a:p>
+                  </a:txBody>
+                  <a:tcPr anchor="ctr">
+                    <a:lnL>
+                      <a:noFill/>
+                    </a:lnL>
+                    <a:lnR>
+                      <a:noFill/>
+                    </a:lnR>
+                    <a:lnT>
+                      <a:noFill/>
+                    </a:lnT>
+                    <a:lnB w="12700" cmpd="sng">
+                      <a:noFill/>
+                    </a:lnB>
+                    <a:lnTlToBr w="12700" cmpd="sng">
+                      <a:noFill/>
+                      <a:prstDash val="solid"/>
+                    </a:lnTlToBr>
+                    <a:lnBlToTr w="12700" cmpd="sng">
+                      <a:noFill/>
+                      <a:prstDash val="solid"/>
+                    </a:lnBlToTr>
+                    <a:noFill/>
+                  </a:tcPr>
+                </a:tc>
+                <a:extLst>
+                  <a:ext uri="{0D108BD9-81ED-4DB2-BD59-A6C34878D82A}">
+                    <a16:rowId xmlns:a16="http://schemas.microsoft.com/office/drawing/2014/main" val="3135723450"/>
+                  </a:ext>
+                </a:extLst>
+              </a:tr>
+            </a:tbl>
+          </a:graphicData>
+        </a:graphic>
+      </p:graphicFrame>
+      <p:pic>
+        <p:nvPicPr>
+          <p:cNvPr id="7" name="그림 6">
+            <a:extLst>
+              <a:ext uri="{FF2B5EF4-FFF2-40B4-BE49-F238E27FC236}">
+                <a16:creationId xmlns:a16="http://schemas.microsoft.com/office/drawing/2014/main" id="{464FC2C5-8080-4CEE-B2DC-73B2DD093A47}"/>
+              </a:ext>
+            </a:extLst>
+          </p:cNvPr>
+          <p:cNvPicPr>
+            <a:picLocks noChangeAspect="1"/>
+          </p:cNvPicPr>
+          <p:nvPr/>
+        </p:nvPicPr>
+        <p:blipFill rotWithShape="1">
+          <a:blip r:embed="rId3"/>
+          <a:srcRect l="45618" t="32720" r="28450" b="52095"/>
+          <a:stretch/>
+        </p:blipFill>
+        <p:spPr>
+          <a:xfrm>
+            <a:off x="1181100" y="1854776"/>
+            <a:ext cx="3428998" cy="3148448"/>
+          </a:xfrm>
+          <a:prstGeom prst="rect">
+            <a:avLst/>
+          </a:prstGeom>
+        </p:spPr>
+      </p:pic>
     </p:spTree>
     <p:extLst>
       <p:ext uri="{BB962C8B-B14F-4D97-AF65-F5344CB8AC3E}">

--- a/ppt/2DGP 3차 발표.pptx
+++ b/ppt/2DGP 3차 발표.pptx
@@ -263,7 +263,7 @@
           <a:p>
             <a:fld id="{12DFC875-B2DB-4FC8-9A52-2BD2954FB3B5}" type="datetimeFigureOut">
               <a:rPr lang="ko-KR" altLang="en-US" smtClean="0"/>
-              <a:t>2019-11-22</a:t>
+              <a:t>2019-11-23</a:t>
             </a:fld>
             <a:endParaRPr lang="ko-KR" altLang="en-US"/>
           </a:p>
@@ -504,7 +504,7 @@
           <a:p>
             <a:fld id="{12DFC875-B2DB-4FC8-9A52-2BD2954FB3B5}" type="datetimeFigureOut">
               <a:rPr lang="ko-KR" altLang="en-US" smtClean="0"/>
-              <a:t>2019-11-22</a:t>
+              <a:t>2019-11-23</a:t>
             </a:fld>
             <a:endParaRPr lang="ko-KR" altLang="en-US"/>
           </a:p>
@@ -895,7 +895,7 @@
 </file>
 
 <file path=ppt/slides/slide1.xml><?xml version="1.0" encoding="utf-8"?>
-<p:sld xmlns:a="http://schemas.openxmlformats.org/drawingml/2006/main" xmlns:r="http://schemas.openxmlformats.org/officeDocument/2006/relationships" xmlns:p="http://schemas.openxmlformats.org/presentationml/2006/main" show="0">
+<p:sld xmlns:a="http://schemas.openxmlformats.org/drawingml/2006/main" xmlns:r="http://schemas.openxmlformats.org/officeDocument/2006/relationships" xmlns:p="http://schemas.openxmlformats.org/presentationml/2006/main">
   <p:cSld>
     <p:spTree>
       <p:nvGrpSpPr>
@@ -4016,14 +4016,14 @@
           <p:nvPr>
             <p:extLst>
               <p:ext uri="{D42A27DB-BD31-4B8C-83A1-F6EECF244321}">
-                <p14:modId xmlns:p14="http://schemas.microsoft.com/office/powerpoint/2010/main" val="3019455444"/>
+                <p14:modId xmlns:p14="http://schemas.microsoft.com/office/powerpoint/2010/main" val="3979161070"/>
               </p:ext>
             </p:extLst>
           </p:nvPr>
         </p:nvGraphicFramePr>
         <p:xfrm>
           <a:off x="907307" y="1629748"/>
-          <a:ext cx="10377386" cy="4707411"/>
+          <a:ext cx="10377386" cy="4789289"/>
         </p:xfrm>
         <a:graphic>
           <a:graphicData uri="http://schemas.openxmlformats.org/drawingml/2006/table">
@@ -5671,6 +5671,24 @@
                         </a:rPr>
                         <a:t>장애물과 충돌하면 게임 종료</a:t>
                       </a:r>
+                      <a:endParaRPr lang="en-US" altLang="ko-KR" sz="2000" b="0" dirty="0">
+                        <a:solidFill>
+                          <a:schemeClr val="tx1"/>
+                        </a:solidFill>
+                        <a:effectLst/>
+                      </a:endParaRPr>
+                    </a:p>
+                    <a:p>
+                      <a:pPr algn="ctr" latinLnBrk="1"/>
+                      <a:r>
+                        <a:rPr lang="ko-KR" altLang="en-US" sz="2000" b="0" dirty="0">
+                          <a:solidFill>
+                            <a:schemeClr val="tx1"/>
+                          </a:solidFill>
+                          <a:effectLst/>
+                        </a:rPr>
+                        <a:t>시간 지날 수록 장애물 증가</a:t>
+                      </a:r>
                     </a:p>
                   </a:txBody>
                   <a:tcPr anchor="ctr">
@@ -5731,8 +5749,23 @@
                           </a:solidFill>
                           <a:effectLst/>
                         </a:rPr>
-                        <a:t>충돌 시 화면 전환</a:t>
-                      </a:r>
+                        <a:t>충돌 시 </a:t>
+                      </a:r>
+                      <a:r>
+                        <a:rPr lang="ko-KR" altLang="en-US" sz="2000" b="0">
+                          <a:solidFill>
+                            <a:schemeClr val="tx1"/>
+                          </a:solidFill>
+                          <a:effectLst/>
+                        </a:rPr>
+                        <a:t>게임 오버</a:t>
+                      </a:r>
+                      <a:endParaRPr lang="en-US" altLang="ko-KR" sz="2000" b="0" dirty="0">
+                        <a:solidFill>
+                          <a:schemeClr val="tx1"/>
+                        </a:solidFill>
+                        <a:effectLst/>
+                      </a:endParaRPr>
                     </a:p>
                   </a:txBody>
                   <a:tcPr anchor="ctr">

--- a/ppt/2DGP 3차 발표.pptx
+++ b/ppt/2DGP 3차 발표.pptx
@@ -4016,13 +4016,13 @@
           <p:nvPr>
             <p:extLst>
               <p:ext uri="{D42A27DB-BD31-4B8C-83A1-F6EECF244321}">
-                <p14:modId xmlns:p14="http://schemas.microsoft.com/office/powerpoint/2010/main" val="3979161070"/>
+                <p14:modId xmlns:p14="http://schemas.microsoft.com/office/powerpoint/2010/main" val="531699156"/>
               </p:ext>
             </p:extLst>
           </p:nvPr>
         </p:nvGraphicFramePr>
         <p:xfrm>
-          <a:off x="907307" y="1629748"/>
+          <a:off x="894606" y="1406842"/>
           <a:ext cx="10377386" cy="4789289"/>
         </p:xfrm>
         <a:graphic>
@@ -4261,7 +4261,7 @@
                   </a:ext>
                 </a:extLst>
               </a:tr>
-              <a:tr h="378667">
+              <a:tr h="396240">
                 <a:tc>
                   <a:txBody>
                     <a:bodyPr/>
@@ -4456,7 +4456,7 @@
                   </a:ext>
                 </a:extLst>
               </a:tr>
-              <a:tr h="561039">
+              <a:tr h="701040">
                 <a:tc>
                   <a:txBody>
                     <a:bodyPr/>
@@ -4992,7 +4992,7 @@
                   </a:ext>
                 </a:extLst>
               </a:tr>
-              <a:tr h="608313">
+              <a:tr h="701040">
                 <a:tc>
                   <a:txBody>
                     <a:bodyPr/>
@@ -5292,7 +5292,7 @@
                   </a:ext>
                 </a:extLst>
               </a:tr>
-              <a:tr h="572529">
+              <a:tr h="701040">
                 <a:tc>
                   <a:txBody>
                     <a:bodyPr/>
@@ -5609,7 +5609,7 @@
                   </a:ext>
                 </a:extLst>
               </a:tr>
-              <a:tr h="619162">
+              <a:tr h="701040">
                 <a:tc>
                   <a:txBody>
                     <a:bodyPr/>
@@ -5749,16 +5749,7 @@
                           </a:solidFill>
                           <a:effectLst/>
                         </a:rPr>
-                        <a:t>충돌 시 </a:t>
-                      </a:r>
-                      <a:r>
-                        <a:rPr lang="ko-KR" altLang="en-US" sz="2000" b="0">
-                          <a:solidFill>
-                            <a:schemeClr val="tx1"/>
-                          </a:solidFill>
-                          <a:effectLst/>
-                        </a:rPr>
-                        <a:t>게임 오버</a:t>
+                        <a:t>충돌 시 게임 오버</a:t>
                       </a:r>
                       <a:endParaRPr lang="en-US" altLang="ko-KR" sz="2000" b="0" dirty="0">
                         <a:solidFill>
@@ -5871,7 +5862,7 @@
                   </a:ext>
                 </a:extLst>
               </a:tr>
-              <a:tr h="662579">
+              <a:tr h="701040">
                 <a:tc>
                   <a:txBody>
                     <a:bodyPr/>
@@ -6340,13 +6331,13 @@
           <p:nvPr>
             <p:extLst>
               <p:ext uri="{D42A27DB-BD31-4B8C-83A1-F6EECF244321}">
-                <p14:modId xmlns:p14="http://schemas.microsoft.com/office/powerpoint/2010/main" val="953125243"/>
+                <p14:modId xmlns:p14="http://schemas.microsoft.com/office/powerpoint/2010/main" val="934843028"/>
               </p:ext>
             </p:extLst>
           </p:nvPr>
         </p:nvGraphicFramePr>
         <p:xfrm>
-          <a:off x="5054600" y="1854776"/>
+          <a:off x="5054600" y="1724279"/>
           <a:ext cx="5956300" cy="4089400"/>
         </p:xfrm>
         <a:graphic>
@@ -6479,6 +6470,11 @@
                         <a:rPr lang="ko-KR" altLang="en-US" dirty="0"/>
                         <a:t>주차</a:t>
                       </a:r>
+                      <a:r>
+                        <a:rPr lang="en-US" altLang="ko-KR" dirty="0"/>
+                        <a:t>(9/29~)</a:t>
+                      </a:r>
+                      <a:endParaRPr lang="ko-KR" altLang="en-US" dirty="0"/>
                     </a:p>
                   </a:txBody>
                   <a:tcPr anchor="ctr">
@@ -7136,7 +7132,7 @@
                       <a:pPr algn="ctr" latinLnBrk="1"/>
                       <a:r>
                         <a:rPr lang="en-US" altLang="ko-KR" dirty="0"/>
-                        <a:t>23</a:t>
+                        <a:t>30</a:t>
                       </a:r>
                       <a:endParaRPr lang="ko-KR" altLang="en-US" dirty="0"/>
                     </a:p>
@@ -7192,16 +7188,8 @@
                         <a:t>주차 </a:t>
                       </a:r>
                       <a:r>
-                        <a:rPr lang="en-US" altLang="ko-KR" dirty="0"/>
-                        <a:t>(11/25 </a:t>
-                      </a:r>
-                      <a:r>
-                        <a:rPr lang="ko-KR" altLang="en-US" dirty="0"/>
-                        <a:t>현재</a:t>
-                      </a:r>
-                      <a:r>
-                        <a:rPr lang="en-US" altLang="ko-KR" dirty="0"/>
-                        <a:t>~)</a:t>
+                        <a:rPr lang="en-US" altLang="ko-KR"/>
+                        <a:t>(11/24~)</a:t>
                       </a:r>
                       <a:endParaRPr lang="ko-KR" altLang="en-US" dirty="0"/>
                     </a:p>
@@ -7277,35 +7265,85 @@
           </a:graphicData>
         </a:graphic>
       </p:graphicFrame>
-      <p:pic>
-        <p:nvPicPr>
-          <p:cNvPr id="7" name="그림 6">
+      <p:grpSp>
+        <p:nvGrpSpPr>
+          <p:cNvPr id="6" name="그룹 5">
             <a:extLst>
               <a:ext uri="{FF2B5EF4-FFF2-40B4-BE49-F238E27FC236}">
-                <a16:creationId xmlns:a16="http://schemas.microsoft.com/office/drawing/2014/main" id="{464FC2C5-8080-4CEE-B2DC-73B2DD093A47}"/>
+                <a16:creationId xmlns:a16="http://schemas.microsoft.com/office/drawing/2014/main" id="{663C0E0A-ED45-46F2-916C-983A49CB194B}"/>
               </a:ext>
             </a:extLst>
           </p:cNvPr>
-          <p:cNvPicPr>
-            <a:picLocks noChangeAspect="1"/>
-          </p:cNvPicPr>
+          <p:cNvGrpSpPr/>
           <p:nvPr/>
-        </p:nvPicPr>
-        <p:blipFill rotWithShape="1">
-          <a:blip r:embed="rId3"/>
-          <a:srcRect l="45618" t="32720" r="28450" b="52095"/>
-          <a:stretch/>
-        </p:blipFill>
-        <p:spPr>
+        </p:nvGrpSpPr>
+        <p:grpSpPr>
           <a:xfrm>
-            <a:off x="1181100" y="1854776"/>
-            <a:ext cx="3428998" cy="3148448"/>
+            <a:off x="1181100" y="1868325"/>
+            <a:ext cx="3060700" cy="3121350"/>
+            <a:chOff x="1714500" y="2001274"/>
+            <a:chExt cx="3060700" cy="3121350"/>
           </a:xfrm>
-          <a:prstGeom prst="rect">
-            <a:avLst/>
-          </a:prstGeom>
-        </p:spPr>
-      </p:pic>
+        </p:grpSpPr>
+        <p:pic>
+          <p:nvPicPr>
+            <p:cNvPr id="2" name="그림 1">
+              <a:extLst>
+                <a:ext uri="{FF2B5EF4-FFF2-40B4-BE49-F238E27FC236}">
+                  <a16:creationId xmlns:a16="http://schemas.microsoft.com/office/drawing/2014/main" id="{B447D6F0-8544-4634-A1BF-ADFCDA6B2928}"/>
+                </a:ext>
+              </a:extLst>
+            </p:cNvPr>
+            <p:cNvPicPr>
+              <a:picLocks noChangeAspect="1"/>
+            </p:cNvPicPr>
+            <p:nvPr/>
+          </p:nvPicPr>
+          <p:blipFill rotWithShape="1">
+            <a:blip r:embed="rId3"/>
+            <a:srcRect l="51902" t="42869" r="29501" b="39539"/>
+            <a:stretch/>
+          </p:blipFill>
+          <p:spPr>
+            <a:xfrm>
+              <a:off x="2245895" y="2392124"/>
+              <a:ext cx="2529305" cy="2730500"/>
+            </a:xfrm>
+            <a:prstGeom prst="rect">
+              <a:avLst/>
+            </a:prstGeom>
+          </p:spPr>
+        </p:pic>
+        <p:pic>
+          <p:nvPicPr>
+            <p:cNvPr id="4" name="그림 3">
+              <a:extLst>
+                <a:ext uri="{FF2B5EF4-FFF2-40B4-BE49-F238E27FC236}">
+                  <a16:creationId xmlns:a16="http://schemas.microsoft.com/office/drawing/2014/main" id="{DFF63E9B-6B45-4CEE-AA4E-85CF314A822C}"/>
+                </a:ext>
+              </a:extLst>
+            </p:cNvPr>
+            <p:cNvPicPr>
+              <a:picLocks noChangeAspect="1"/>
+            </p:cNvPicPr>
+            <p:nvPr/>
+          </p:nvPicPr>
+          <p:blipFill rotWithShape="1">
+            <a:blip r:embed="rId4"/>
+            <a:srcRect l="30677" t="40370" r="65427" b="42087"/>
+            <a:stretch/>
+          </p:blipFill>
+          <p:spPr>
+            <a:xfrm>
+              <a:off x="1714500" y="2001274"/>
+              <a:ext cx="531395" cy="2730500"/>
+            </a:xfrm>
+            <a:prstGeom prst="rect">
+              <a:avLst/>
+            </a:prstGeom>
+          </p:spPr>
+        </p:pic>
+      </p:grpSp>
     </p:spTree>
     <p:extLst>
       <p:ext uri="{BB962C8B-B14F-4D97-AF65-F5344CB8AC3E}">
